--- a/materials/slides/2.4 .pptx
+++ b/materials/slides/2.4 .pptx
@@ -5,10 +5,10 @@
     <p:sldMasterId id="2147483776" r:id="rId1"/>
   </p:sldMasterIdLst>
   <p:notesMasterIdLst>
-    <p:notesMasterId r:id="rId31"/>
+    <p:notesMasterId r:id="rId35"/>
   </p:notesMasterIdLst>
   <p:handoutMasterIdLst>
-    <p:handoutMasterId r:id="rId32"/>
+    <p:handoutMasterId r:id="rId36"/>
   </p:handoutMasterIdLst>
   <p:sldIdLst>
     <p:sldId id="256" r:id="rId2"/>
@@ -30,16 +30,20 @@
     <p:sldId id="562" r:id="rId18"/>
     <p:sldId id="563" r:id="rId19"/>
     <p:sldId id="564" r:id="rId20"/>
-    <p:sldId id="565" r:id="rId21"/>
-    <p:sldId id="566" r:id="rId22"/>
-    <p:sldId id="567" r:id="rId23"/>
-    <p:sldId id="568" r:id="rId24"/>
-    <p:sldId id="569" r:id="rId25"/>
-    <p:sldId id="570" r:id="rId26"/>
-    <p:sldId id="571" r:id="rId27"/>
-    <p:sldId id="572" r:id="rId28"/>
-    <p:sldId id="573" r:id="rId29"/>
-    <p:sldId id="549" r:id="rId30"/>
+    <p:sldId id="579" r:id="rId21"/>
+    <p:sldId id="580" r:id="rId22"/>
+    <p:sldId id="581" r:id="rId23"/>
+    <p:sldId id="565" r:id="rId24"/>
+    <p:sldId id="582" r:id="rId25"/>
+    <p:sldId id="566" r:id="rId26"/>
+    <p:sldId id="567" r:id="rId27"/>
+    <p:sldId id="568" r:id="rId28"/>
+    <p:sldId id="569" r:id="rId29"/>
+    <p:sldId id="570" r:id="rId30"/>
+    <p:sldId id="571" r:id="rId31"/>
+    <p:sldId id="572" r:id="rId32"/>
+    <p:sldId id="573" r:id="rId33"/>
+    <p:sldId id="549" r:id="rId34"/>
   </p:sldIdLst>
   <p:sldSz cx="12192000" cy="6858000"/>
   <p:notesSz cx="6858000" cy="9144000"/>
@@ -170,7 +174,7 @@
   </p:defaultTextStyle>
   <p:extLst>
     <p:ext uri="{EFAFB233-063F-42B5-8137-9DF3F51BA10A}">
-      <p15:sldGuideLst xmlns:p15="http://schemas.microsoft.com/office/powerpoint/2012/main">
+      <p15:sldGuideLst xmlns:p15="http://schemas.microsoft.com/office/powerpoint/2012/main" xmlns="">
         <p15:guide id="1" orient="horz" pos="2160" userDrawn="1">
           <p15:clr>
             <a:srgbClr val="A4A3A4"/>
@@ -184,7 +188,7 @@
       </p15:sldGuideLst>
     </p:ext>
     <p:ext uri="{2D200454-40CA-4A62-9FC3-DE9A4176ACB9}">
-      <p15:notesGuideLst xmlns:p15="http://schemas.microsoft.com/office/powerpoint/2012/main">
+      <p15:notesGuideLst xmlns:p15="http://schemas.microsoft.com/office/powerpoint/2012/main" xmlns="">
         <p15:guide id="1" orient="horz" pos="2880">
           <p15:clr>
             <a:srgbClr val="A4A3A4"/>
@@ -1014,10 +1018,12 @@
         </p:nvSpPr>
         <p:spPr/>
         <p:txBody>
-          <a:bodyPr/>
+          <a:bodyPr>
+            <a:normAutofit/>
+          </a:bodyPr>
           <a:lstStyle/>
           <a:p>
-            <a:endParaRPr lang="zh-CN" altLang="en-US" dirty="0"/>
+            <a:endParaRPr lang="zh-CN" altLang="en-US"/>
           </a:p>
         </p:txBody>
       </p:sp>
@@ -1036,9 +1042,274 @@
           <a:bodyPr/>
           <a:lstStyle/>
           <a:p>
+            <a:pPr>
+              <a:defRPr/>
+            </a:pPr>
+            <a:fld id="{CBFB72AA-FFA9-427A-8480-5ACFBD2982FB}" type="slidenum">
+              <a:rPr lang="zh-CN" altLang="en-US" smtClean="0"/>
+              <a:pPr>
+                <a:defRPr/>
+              </a:pPr>
+              <a:t>22</a:t>
+            </a:fld>
+            <a:endParaRPr lang="en-US" altLang="zh-CN"/>
+          </a:p>
+        </p:txBody>
+      </p:sp>
+    </p:spTree>
+  </p:cSld>
+  <p:clrMapOvr>
+    <a:masterClrMapping/>
+  </p:clrMapOvr>
+</p:notes>
+</file>
+
+<file path=ppt/notesSlides/notesSlide11.xml><?xml version="1.0" encoding="utf-8"?>
+<p:notes xmlns:a="http://schemas.openxmlformats.org/drawingml/2006/main" xmlns:r="http://schemas.openxmlformats.org/officeDocument/2006/relationships" xmlns:p="http://schemas.openxmlformats.org/presentationml/2006/main">
+  <p:cSld>
+    <p:spTree>
+      <p:nvGrpSpPr>
+        <p:cNvPr id="1" name=""/>
+        <p:cNvGrpSpPr/>
+        <p:nvPr/>
+      </p:nvGrpSpPr>
+      <p:grpSpPr>
+        <a:xfrm>
+          <a:off x="0" y="0"/>
+          <a:ext cx="0" cy="0"/>
+          <a:chOff x="0" y="0"/>
+          <a:chExt cx="0" cy="0"/>
+        </a:xfrm>
+      </p:grpSpPr>
+      <p:sp>
+        <p:nvSpPr>
+          <p:cNvPr id="2" name="幻灯片图像占位符 1"/>
+          <p:cNvSpPr>
+            <a:spLocks noGrp="1" noRot="1" noChangeAspect="1"/>
+          </p:cNvSpPr>
+          <p:nvPr>
+            <p:ph type="sldImg"/>
+          </p:nvPr>
+        </p:nvSpPr>
+        <p:spPr/>
+      </p:sp>
+      <p:sp>
+        <p:nvSpPr>
+          <p:cNvPr id="3" name="备注占位符 2"/>
+          <p:cNvSpPr>
+            <a:spLocks noGrp="1"/>
+          </p:cNvSpPr>
+          <p:nvPr>
+            <p:ph type="body" idx="1"/>
+          </p:nvPr>
+        </p:nvSpPr>
+        <p:spPr/>
+        <p:txBody>
+          <a:bodyPr/>
+          <a:lstStyle/>
+          <a:p>
+            <a:endParaRPr lang="zh-CN" altLang="en-US" dirty="0"/>
+          </a:p>
+        </p:txBody>
+      </p:sp>
+      <p:sp>
+        <p:nvSpPr>
+          <p:cNvPr id="4" name="灯片编号占位符 3"/>
+          <p:cNvSpPr>
+            <a:spLocks noGrp="1"/>
+          </p:cNvSpPr>
+          <p:nvPr>
+            <p:ph type="sldNum" sz="quarter" idx="10"/>
+          </p:nvPr>
+        </p:nvSpPr>
+        <p:spPr/>
+        <p:txBody>
+          <a:bodyPr/>
+          <a:lstStyle/>
+          <a:p>
+            <a:pPr>
+              <a:defRPr/>
+            </a:pPr>
+            <a:fld id="{06DBFBB8-2C88-4EF5-ACA0-AB33D3C579D0}" type="slidenum">
+              <a:rPr lang="en-US" altLang="zh-CN" smtClean="0"/>
+              <a:pPr>
+                <a:defRPr/>
+              </a:pPr>
+              <a:t>23</a:t>
+            </a:fld>
+            <a:endParaRPr lang="en-US" altLang="zh-CN"/>
+          </a:p>
+        </p:txBody>
+      </p:sp>
+    </p:spTree>
+    <p:extLst>
+      <p:ext uri="{BB962C8B-B14F-4D97-AF65-F5344CB8AC3E}">
+        <p14:creationId xmlns:p14="http://schemas.microsoft.com/office/powerpoint/2010/main" val="3937773244"/>
+      </p:ext>
+    </p:extLst>
+  </p:cSld>
+  <p:clrMapOvr>
+    <a:masterClrMapping/>
+  </p:clrMapOvr>
+</p:notes>
+</file>
+
+<file path=ppt/notesSlides/notesSlide12.xml><?xml version="1.0" encoding="utf-8"?>
+<p:notes xmlns:a="http://schemas.openxmlformats.org/drawingml/2006/main" xmlns:r="http://schemas.openxmlformats.org/officeDocument/2006/relationships" xmlns:p="http://schemas.openxmlformats.org/presentationml/2006/main">
+  <p:cSld>
+    <p:spTree>
+      <p:nvGrpSpPr>
+        <p:cNvPr id="1" name=""/>
+        <p:cNvGrpSpPr/>
+        <p:nvPr/>
+      </p:nvGrpSpPr>
+      <p:grpSpPr>
+        <a:xfrm>
+          <a:off x="0" y="0"/>
+          <a:ext cx="0" cy="0"/>
+          <a:chOff x="0" y="0"/>
+          <a:chExt cx="0" cy="0"/>
+        </a:xfrm>
+      </p:grpSpPr>
+      <p:sp>
+        <p:nvSpPr>
+          <p:cNvPr id="2" name="幻灯片图像占位符 1"/>
+          <p:cNvSpPr>
+            <a:spLocks noGrp="1" noRot="1" noChangeAspect="1"/>
+          </p:cNvSpPr>
+          <p:nvPr>
+            <p:ph type="sldImg"/>
+          </p:nvPr>
+        </p:nvSpPr>
+        <p:spPr/>
+      </p:sp>
+      <p:sp>
+        <p:nvSpPr>
+          <p:cNvPr id="3" name="备注占位符 2"/>
+          <p:cNvSpPr>
+            <a:spLocks noGrp="1"/>
+          </p:cNvSpPr>
+          <p:nvPr>
+            <p:ph type="body" idx="1"/>
+          </p:nvPr>
+        </p:nvSpPr>
+        <p:spPr/>
+        <p:txBody>
+          <a:bodyPr/>
+          <a:lstStyle/>
+          <a:p>
+            <a:endParaRPr lang="zh-CN" altLang="en-US" dirty="0"/>
+          </a:p>
+        </p:txBody>
+      </p:sp>
+      <p:sp>
+        <p:nvSpPr>
+          <p:cNvPr id="4" name="灯片编号占位符 3"/>
+          <p:cNvSpPr>
+            <a:spLocks noGrp="1"/>
+          </p:cNvSpPr>
+          <p:nvPr>
+            <p:ph type="sldNum" sz="quarter" idx="10"/>
+          </p:nvPr>
+        </p:nvSpPr>
+        <p:spPr/>
+        <p:txBody>
+          <a:bodyPr/>
+          <a:lstStyle/>
+          <a:p>
+            <a:pPr>
+              <a:defRPr/>
+            </a:pPr>
+            <a:fld id="{06DBFBB8-2C88-4EF5-ACA0-AB33D3C579D0}" type="slidenum">
+              <a:rPr lang="en-US" altLang="zh-CN" smtClean="0"/>
+              <a:pPr>
+                <a:defRPr/>
+              </a:pPr>
+              <a:t>28</a:t>
+            </a:fld>
+            <a:endParaRPr lang="en-US" altLang="zh-CN"/>
+          </a:p>
+        </p:txBody>
+      </p:sp>
+    </p:spTree>
+    <p:extLst>
+      <p:ext uri="{BB962C8B-B14F-4D97-AF65-F5344CB8AC3E}">
+        <p14:creationId xmlns:p14="http://schemas.microsoft.com/office/powerpoint/2010/main" val="2054750125"/>
+      </p:ext>
+    </p:extLst>
+  </p:cSld>
+  <p:clrMapOvr>
+    <a:masterClrMapping/>
+  </p:clrMapOvr>
+</p:notes>
+</file>
+
+<file path=ppt/notesSlides/notesSlide13.xml><?xml version="1.0" encoding="utf-8"?>
+<p:notes xmlns:a="http://schemas.openxmlformats.org/drawingml/2006/main" xmlns:r="http://schemas.openxmlformats.org/officeDocument/2006/relationships" xmlns:p="http://schemas.openxmlformats.org/presentationml/2006/main">
+  <p:cSld>
+    <p:spTree>
+      <p:nvGrpSpPr>
+        <p:cNvPr id="1" name=""/>
+        <p:cNvGrpSpPr/>
+        <p:nvPr/>
+      </p:nvGrpSpPr>
+      <p:grpSpPr>
+        <a:xfrm>
+          <a:off x="0" y="0"/>
+          <a:ext cx="0" cy="0"/>
+          <a:chOff x="0" y="0"/>
+          <a:chExt cx="0" cy="0"/>
+        </a:xfrm>
+      </p:grpSpPr>
+      <p:sp>
+        <p:nvSpPr>
+          <p:cNvPr id="2" name="幻灯片图像占位符 1"/>
+          <p:cNvSpPr>
+            <a:spLocks noGrp="1" noRot="1" noChangeAspect="1"/>
+          </p:cNvSpPr>
+          <p:nvPr>
+            <p:ph type="sldImg"/>
+          </p:nvPr>
+        </p:nvSpPr>
+        <p:spPr/>
+      </p:sp>
+      <p:sp>
+        <p:nvSpPr>
+          <p:cNvPr id="3" name="备注占位符 2"/>
+          <p:cNvSpPr>
+            <a:spLocks noGrp="1"/>
+          </p:cNvSpPr>
+          <p:nvPr>
+            <p:ph type="body" idx="1"/>
+          </p:nvPr>
+        </p:nvSpPr>
+        <p:spPr/>
+        <p:txBody>
+          <a:bodyPr/>
+          <a:lstStyle/>
+          <a:p>
+            <a:endParaRPr lang="zh-CN" altLang="en-US" dirty="0"/>
+          </a:p>
+        </p:txBody>
+      </p:sp>
+      <p:sp>
+        <p:nvSpPr>
+          <p:cNvPr id="4" name="灯片编号占位符 3"/>
+          <p:cNvSpPr>
+            <a:spLocks noGrp="1"/>
+          </p:cNvSpPr>
+          <p:nvPr>
+            <p:ph type="sldNum" sz="quarter" idx="10"/>
+          </p:nvPr>
+        </p:nvSpPr>
+        <p:spPr/>
+        <p:txBody>
+          <a:bodyPr/>
+          <a:lstStyle/>
+          <a:p>
             <a:fld id="{9294396F-7CC6-42E5-83BE-72592AAF95CF}" type="slidenum">
               <a:rPr lang="zh-CN" altLang="en-US" smtClean="0"/>
-              <a:t>28</a:t>
+              <a:t>32</a:t>
             </a:fld>
             <a:endParaRPr lang="zh-CN" altLang="en-US"/>
           </a:p>
@@ -1680,9 +1951,15 @@
         </p:nvSpPr>
         <p:spPr/>
         <p:txBody>
-          <a:bodyPr/>
+          <a:bodyPr>
+            <a:normAutofit/>
+          </a:bodyPr>
           <a:lstStyle/>
           <a:p>
+            <a:r>
+              <a:rPr lang="zh-CN" altLang="en-US" dirty="0" smtClean="0"/>
+              <a:t>公司内部测试结束前的总结性文档</a:t>
+            </a:r>
             <a:endParaRPr lang="zh-CN" altLang="en-US" dirty="0"/>
           </a:p>
         </p:txBody>
@@ -1705,8 +1982,8 @@
             <a:pPr>
               <a:defRPr/>
             </a:pPr>
-            <a:fld id="{06DBFBB8-2C88-4EF5-ACA0-AB33D3C579D0}" type="slidenum">
-              <a:rPr lang="en-US" altLang="zh-CN" smtClean="0"/>
+            <a:fld id="{CBFB72AA-FFA9-427A-8480-5ACFBD2982FB}" type="slidenum">
+              <a:rPr lang="zh-CN" altLang="en-US" smtClean="0"/>
               <a:pPr>
                 <a:defRPr/>
               </a:pPr>
@@ -1717,11 +1994,6 @@
         </p:txBody>
       </p:sp>
     </p:spTree>
-    <p:extLst>
-      <p:ext uri="{BB962C8B-B14F-4D97-AF65-F5344CB8AC3E}">
-        <p14:creationId xmlns:p14="http://schemas.microsoft.com/office/powerpoint/2010/main" val="3937773244"/>
-      </p:ext>
-    </p:extLst>
   </p:cSld>
   <p:clrMapOvr>
     <a:masterClrMapping/>
@@ -1770,10 +2042,12 @@
         </p:nvSpPr>
         <p:spPr/>
         <p:txBody>
-          <a:bodyPr/>
+          <a:bodyPr>
+            <a:normAutofit/>
+          </a:bodyPr>
           <a:lstStyle/>
           <a:p>
-            <a:endParaRPr lang="zh-CN" altLang="en-US" dirty="0"/>
+            <a:endParaRPr lang="zh-CN" altLang="en-US"/>
           </a:p>
         </p:txBody>
       </p:sp>
@@ -1795,23 +2069,18 @@
             <a:pPr>
               <a:defRPr/>
             </a:pPr>
-            <a:fld id="{06DBFBB8-2C88-4EF5-ACA0-AB33D3C579D0}" type="slidenum">
-              <a:rPr lang="en-US" altLang="zh-CN" smtClean="0"/>
+            <a:fld id="{CBFB72AA-FFA9-427A-8480-5ACFBD2982FB}" type="slidenum">
+              <a:rPr lang="zh-CN" altLang="en-US" smtClean="0"/>
               <a:pPr>
                 <a:defRPr/>
               </a:pPr>
-              <a:t>24</a:t>
+              <a:t>21</a:t>
             </a:fld>
             <a:endParaRPr lang="en-US" altLang="zh-CN"/>
           </a:p>
         </p:txBody>
       </p:sp>
     </p:spTree>
-    <p:extLst>
-      <p:ext uri="{BB962C8B-B14F-4D97-AF65-F5344CB8AC3E}">
-        <p14:creationId xmlns:p14="http://schemas.microsoft.com/office/powerpoint/2010/main" val="2054750125"/>
-      </p:ext>
-    </p:extLst>
   </p:cSld>
   <p:clrMapOvr>
     <a:masterClrMapping/>
@@ -3467,6 +3736,163 @@
   <p:clrMapOvr>
     <a:masterClrMapping/>
   </p:clrMapOvr>
+  <p:timing>
+    <p:tnLst>
+      <p:par>
+        <p:cTn id="1" dur="indefinite" restart="never" nodeType="tmRoot"/>
+      </p:par>
+    </p:tnLst>
+  </p:timing>
+</p:sldLayout>
+</file>
+
+<file path=ppt/slideLayouts/slideLayout9.xml><?xml version="1.0" encoding="utf-8"?>
+<p:sldLayout xmlns:a="http://schemas.openxmlformats.org/drawingml/2006/main" xmlns:r="http://schemas.openxmlformats.org/officeDocument/2006/relationships" xmlns:p="http://schemas.openxmlformats.org/presentationml/2006/main" type="titleOnly">
+  <p:cSld name="1_仅标题">
+    <p:spTree>
+      <p:nvGrpSpPr>
+        <p:cNvPr id="1" name=""/>
+        <p:cNvGrpSpPr/>
+        <p:nvPr/>
+      </p:nvGrpSpPr>
+      <p:grpSpPr>
+        <a:xfrm>
+          <a:off x="0" y="0"/>
+          <a:ext cx="0" cy="0"/>
+          <a:chOff x="0" y="0"/>
+          <a:chExt cx="0" cy="0"/>
+        </a:xfrm>
+      </p:grpSpPr>
+      <p:sp>
+        <p:nvSpPr>
+          <p:cNvPr id="2" name="标题 1"/>
+          <p:cNvSpPr>
+            <a:spLocks noGrp="1"/>
+          </p:cNvSpPr>
+          <p:nvPr>
+            <p:ph type="title"/>
+          </p:nvPr>
+        </p:nvSpPr>
+        <p:spPr>
+          <a:xfrm>
+            <a:off x="766235" y="68628"/>
+            <a:ext cx="10514343" cy="915901"/>
+          </a:xfrm>
+        </p:spPr>
+        <p:txBody>
+          <a:bodyPr/>
+          <a:lstStyle>
+            <a:lvl1pPr>
+              <a:defRPr sz="4300" b="1"/>
+            </a:lvl1pPr>
+          </a:lstStyle>
+          <a:p>
+            <a:r>
+              <a:rPr lang="zh-CN" altLang="en-US" smtClean="0"/>
+              <a:t>单击此处编辑母版标题样式</a:t>
+            </a:r>
+            <a:endParaRPr lang="zh-CN" altLang="en-US"/>
+          </a:p>
+        </p:txBody>
+      </p:sp>
+      <p:sp>
+        <p:nvSpPr>
+          <p:cNvPr id="6" name="内容占位符 5"/>
+          <p:cNvSpPr>
+            <a:spLocks noGrp="1"/>
+          </p:cNvSpPr>
+          <p:nvPr>
+            <p:ph sz="half" idx="1"/>
+          </p:nvPr>
+        </p:nvSpPr>
+        <p:spPr>
+          <a:xfrm>
+            <a:off x="719403" y="1508789"/>
+            <a:ext cx="10622280" cy="4268047"/>
+          </a:xfrm>
+        </p:spPr>
+        <p:txBody>
+          <a:bodyPr/>
+          <a:lstStyle>
+            <a:lvl1pPr>
+              <a:defRPr sz="3700" b="1"/>
+            </a:lvl1pPr>
+            <a:lvl2pPr>
+              <a:defRPr sz="3500" b="1"/>
+            </a:lvl2pPr>
+            <a:lvl3pPr>
+              <a:defRPr sz="3200" b="1"/>
+            </a:lvl3pPr>
+            <a:lvl4pPr>
+              <a:defRPr sz="1900"/>
+            </a:lvl4pPr>
+            <a:lvl5pPr>
+              <a:defRPr sz="1900"/>
+            </a:lvl5pPr>
+            <a:lvl6pPr>
+              <a:defRPr sz="1900"/>
+            </a:lvl6pPr>
+            <a:lvl7pPr>
+              <a:defRPr sz="1900"/>
+            </a:lvl7pPr>
+            <a:lvl8pPr>
+              <a:defRPr sz="1900"/>
+            </a:lvl8pPr>
+            <a:lvl9pPr>
+              <a:defRPr sz="1900"/>
+            </a:lvl9pPr>
+          </a:lstStyle>
+          <a:p>
+            <a:pPr lvl="0"/>
+            <a:r>
+              <a:rPr lang="zh-CN" altLang="en-US" smtClean="0"/>
+              <a:t>单击此处编辑母版文本样式</a:t>
+            </a:r>
+          </a:p>
+          <a:p>
+            <a:pPr lvl="1"/>
+            <a:r>
+              <a:rPr lang="zh-CN" altLang="en-US" smtClean="0"/>
+              <a:t>第二级</a:t>
+            </a:r>
+          </a:p>
+          <a:p>
+            <a:pPr lvl="2"/>
+            <a:r>
+              <a:rPr lang="zh-CN" altLang="en-US" smtClean="0"/>
+              <a:t>第三级</a:t>
+            </a:r>
+          </a:p>
+          <a:p>
+            <a:pPr lvl="3"/>
+            <a:r>
+              <a:rPr lang="zh-CN" altLang="en-US" smtClean="0"/>
+              <a:t>第四级</a:t>
+            </a:r>
+          </a:p>
+          <a:p>
+            <a:pPr lvl="4"/>
+            <a:r>
+              <a:rPr lang="zh-CN" altLang="en-US" smtClean="0"/>
+              <a:t>第五级</a:t>
+            </a:r>
+            <a:endParaRPr lang="zh-CN" altLang="en-US"/>
+          </a:p>
+        </p:txBody>
+      </p:sp>
+    </p:spTree>
+    <p:extLst>
+      <p:ext uri="{BB962C8B-B14F-4D97-AF65-F5344CB8AC3E}">
+        <p14:creationId xmlns:p14="http://schemas.microsoft.com/office/powerpoint/2010/main" val="2126744003"/>
+      </p:ext>
+    </p:extLst>
+  </p:cSld>
+  <p:clrMapOvr>
+    <a:masterClrMapping/>
+  </p:clrMapOvr>
+  <p:transition>
+    <p:blinds dir="vert"/>
+  </p:transition>
   <p:timing>
     <p:tnLst>
       <p:par>
@@ -3813,6 +4239,7 @@
     <p:sldLayoutId id="2147483885" r:id="rId6"/>
     <p:sldLayoutId id="2147483923" r:id="rId7"/>
     <p:sldLayoutId id="2147483924" r:id="rId8"/>
+    <p:sldLayoutId id="2147483925" r:id="rId9"/>
   </p:sldLayoutIdLst>
   <p:transition>
     <p:blinds dir="vert"/>
@@ -11823,7 +12250,7 @@
           <a:lstStyle/>
           <a:p>
             <a:r>
-              <a:rPr lang="zh-CN" altLang="en-US" smtClean="0"/>
+              <a:rPr lang="zh-CN" altLang="en-US" dirty="0" smtClean="0"/>
               <a:t>测试评估与总结</a:t>
             </a:r>
             <a:endParaRPr lang="zh-CN" altLang="en-US" dirty="0"/>
@@ -12717,6 +13144,561 @@
       </p:grpSpPr>
       <p:sp>
         <p:nvSpPr>
+          <p:cNvPr id="30724" name="标题 11"/>
+          <p:cNvSpPr>
+            <a:spLocks noGrp="1"/>
+          </p:cNvSpPr>
+          <p:nvPr>
+            <p:ph type="title"/>
+          </p:nvPr>
+        </p:nvSpPr>
+        <p:spPr/>
+        <p:txBody>
+          <a:bodyPr/>
+          <a:lstStyle/>
+          <a:p>
+            <a:pPr eaLnBrk="1" hangingPunct="1"/>
+            <a:r>
+              <a:rPr lang="zh-CN" altLang="en-US" dirty="0"/>
+              <a:t>测试总结报告定义</a:t>
+            </a:r>
+          </a:p>
+        </p:txBody>
+      </p:sp>
+      <p:sp>
+        <p:nvSpPr>
+          <p:cNvPr id="30723" name="内容占位符 2"/>
+          <p:cNvSpPr>
+            <a:spLocks noGrp="1"/>
+          </p:cNvSpPr>
+          <p:nvPr>
+            <p:ph idx="1"/>
+          </p:nvPr>
+        </p:nvSpPr>
+        <p:spPr/>
+        <p:txBody>
+          <a:bodyPr/>
+          <a:lstStyle/>
+          <a:p>
+            <a:pPr algn="just" eaLnBrk="1" hangingPunct="1"/>
+            <a:r>
+              <a:rPr lang="zh-CN" altLang="en-US" sz="3200" b="1" dirty="0"/>
+              <a:t>测试报告文档是测试阶段最后的文档产出物，把</a:t>
+            </a:r>
+            <a:r>
+              <a:rPr lang="zh-CN" altLang="en-US" sz="3200" b="1" dirty="0">
+                <a:solidFill>
+                  <a:srgbClr val="FF0000"/>
+                </a:solidFill>
+              </a:rPr>
+              <a:t>测试的过程和结果</a:t>
+            </a:r>
+            <a:r>
+              <a:rPr lang="zh-CN" altLang="en-US" sz="3200" b="1" dirty="0"/>
+              <a:t>写成文档，并对发现的问题和缺陷进行</a:t>
+            </a:r>
+            <a:r>
+              <a:rPr lang="zh-CN" altLang="en-US" sz="3200" b="1" dirty="0">
+                <a:solidFill>
+                  <a:srgbClr val="FF0000"/>
+                </a:solidFill>
+              </a:rPr>
+              <a:t>分析</a:t>
+            </a:r>
+            <a:r>
+              <a:rPr lang="zh-CN" altLang="en-US" sz="3200" b="1" dirty="0"/>
+              <a:t>，为纠正软件的存在的质量问题提供依据，同时为软件验收和交付打下基础。 </a:t>
+            </a:r>
+          </a:p>
+          <a:p>
+            <a:pPr eaLnBrk="1" hangingPunct="1"/>
+            <a:endParaRPr lang="en-US" altLang="zh-CN" dirty="0" smtClean="0">
+              <a:ea typeface="宋体" pitchFamily="2" charset="-122"/>
+            </a:endParaRPr>
+          </a:p>
+          <a:p>
+            <a:pPr eaLnBrk="1" hangingPunct="1">
+              <a:buFont typeface="Wingdings" pitchFamily="2" charset="2"/>
+              <a:buNone/>
+            </a:pPr>
+            <a:r>
+              <a:rPr lang="zh-CN" altLang="en-US" dirty="0" smtClean="0">
+                <a:ea typeface="宋体" pitchFamily="2" charset="-122"/>
+              </a:rPr>
+              <a:t>          </a:t>
+            </a:r>
+            <a:endParaRPr lang="en-US" altLang="zh-CN" dirty="0" smtClean="0">
+              <a:ea typeface="宋体" pitchFamily="2" charset="-122"/>
+            </a:endParaRPr>
+          </a:p>
+          <a:p>
+            <a:pPr eaLnBrk="1" hangingPunct="1">
+              <a:buFont typeface="Wingdings" pitchFamily="2" charset="2"/>
+              <a:buNone/>
+            </a:pPr>
+            <a:r>
+              <a:rPr lang="zh-CN" altLang="en-US" dirty="0" smtClean="0">
+                <a:ea typeface="宋体" pitchFamily="2" charset="-122"/>
+              </a:rPr>
+              <a:t>      </a:t>
+            </a:r>
+            <a:endParaRPr lang="en-US" altLang="zh-CN" dirty="0" smtClean="0">
+              <a:ea typeface="宋体" pitchFamily="2" charset="-122"/>
+            </a:endParaRPr>
+          </a:p>
+          <a:p>
+            <a:pPr eaLnBrk="1" hangingPunct="1">
+              <a:buFont typeface="Wingdings" pitchFamily="2" charset="2"/>
+              <a:buNone/>
+            </a:pPr>
+            <a:endParaRPr lang="en-US" altLang="zh-CN" dirty="0" smtClean="0">
+              <a:ea typeface="宋体" pitchFamily="2" charset="-122"/>
+            </a:endParaRPr>
+          </a:p>
+          <a:p>
+            <a:pPr eaLnBrk="1" hangingPunct="1">
+              <a:buFont typeface="Wingdings" pitchFamily="2" charset="2"/>
+              <a:buNone/>
+            </a:pPr>
+            <a:endParaRPr lang="en-US" altLang="zh-CN" dirty="0" smtClean="0">
+              <a:ea typeface="宋体" pitchFamily="2" charset="-122"/>
+            </a:endParaRPr>
+          </a:p>
+          <a:p>
+            <a:pPr eaLnBrk="1" hangingPunct="1">
+              <a:buFont typeface="Wingdings" pitchFamily="2" charset="2"/>
+              <a:buNone/>
+            </a:pPr>
+            <a:r>
+              <a:rPr lang="zh-CN" altLang="en-US" dirty="0" smtClean="0">
+                <a:ea typeface="宋体" pitchFamily="2" charset="-122"/>
+              </a:rPr>
+              <a:t>  </a:t>
+            </a:r>
+            <a:endParaRPr lang="en-US" altLang="zh-CN" dirty="0" smtClean="0">
+              <a:ea typeface="宋体" pitchFamily="2" charset="-122"/>
+            </a:endParaRPr>
+          </a:p>
+        </p:txBody>
+      </p:sp>
+    </p:spTree>
+    <p:extLst>
+      <p:ext uri="{BB962C8B-B14F-4D97-AF65-F5344CB8AC3E}">
+        <p14:creationId xmlns:p14="http://schemas.microsoft.com/office/powerpoint/2010/main" val="663432141"/>
+      </p:ext>
+    </p:extLst>
+  </p:cSld>
+  <p:clrMapOvr>
+    <a:masterClrMapping/>
+  </p:clrMapOvr>
+  <p:transition>
+    <p:randomBar dir="vert"/>
+  </p:transition>
+  <p:timing>
+    <p:tnLst>
+      <p:par>
+        <p:cTn id="1" dur="indefinite" restart="never" nodeType="tmRoot"/>
+      </p:par>
+    </p:tnLst>
+  </p:timing>
+</p:sld>
+</file>
+
+<file path=ppt/slides/slide21.xml><?xml version="1.0" encoding="utf-8"?>
+<p:sld xmlns:a="http://schemas.openxmlformats.org/drawingml/2006/main" xmlns:r="http://schemas.openxmlformats.org/officeDocument/2006/relationships" xmlns:p="http://schemas.openxmlformats.org/presentationml/2006/main">
+  <p:cSld>
+    <p:spTree>
+      <p:nvGrpSpPr>
+        <p:cNvPr id="1" name=""/>
+        <p:cNvGrpSpPr/>
+        <p:nvPr/>
+      </p:nvGrpSpPr>
+      <p:grpSpPr>
+        <a:xfrm>
+          <a:off x="0" y="0"/>
+          <a:ext cx="0" cy="0"/>
+          <a:chOff x="0" y="0"/>
+          <a:chExt cx="0" cy="0"/>
+        </a:xfrm>
+      </p:grpSpPr>
+      <p:sp>
+        <p:nvSpPr>
+          <p:cNvPr id="31746" name="标题 16"/>
+          <p:cNvSpPr>
+            <a:spLocks noGrp="1"/>
+          </p:cNvSpPr>
+          <p:nvPr>
+            <p:ph type="title"/>
+          </p:nvPr>
+        </p:nvSpPr>
+        <p:spPr/>
+        <p:txBody>
+          <a:bodyPr/>
+          <a:lstStyle/>
+          <a:p>
+            <a:pPr eaLnBrk="1" hangingPunct="1"/>
+            <a:r>
+              <a:rPr lang="zh-CN" altLang="en-US" dirty="0"/>
+              <a:t>测试总结报告定义</a:t>
+            </a:r>
+            <a:endParaRPr lang="zh-CN" altLang="en-US" dirty="0"/>
+          </a:p>
+        </p:txBody>
+      </p:sp>
+      <p:sp>
+        <p:nvSpPr>
+          <p:cNvPr id="31747" name="内容占位符 2"/>
+          <p:cNvSpPr>
+            <a:spLocks noGrp="1"/>
+          </p:cNvSpPr>
+          <p:nvPr>
+            <p:ph idx="1"/>
+          </p:nvPr>
+        </p:nvSpPr>
+        <p:spPr>
+          <a:xfrm>
+            <a:off x="911424" y="1412776"/>
+            <a:ext cx="10221383" cy="4641850"/>
+          </a:xfrm>
+        </p:spPr>
+        <p:txBody>
+          <a:bodyPr/>
+          <a:lstStyle/>
+          <a:p>
+            <a:pPr marL="469900" lvl="1" indent="-469900" algn="just" eaLnBrk="1" hangingPunct="1">
+              <a:buFont typeface="Wingdings" pitchFamily="2" charset="2"/>
+              <a:buChar char="Ø"/>
+            </a:pPr>
+            <a:r>
+              <a:rPr lang="zh-CN" altLang="en-US" sz="2800" dirty="0">
+                <a:cs typeface="+mn-cs"/>
+              </a:rPr>
+              <a:t>文件名称、编号、版本等基本信息</a:t>
+            </a:r>
+          </a:p>
+          <a:p>
+            <a:pPr marL="469900" lvl="1" indent="-469900" algn="just" eaLnBrk="1" hangingPunct="1">
+              <a:buFont typeface="Wingdings" pitchFamily="2" charset="2"/>
+              <a:buChar char="Ø"/>
+            </a:pPr>
+            <a:r>
+              <a:rPr lang="zh-CN" altLang="en-US" sz="2800" dirty="0">
+                <a:cs typeface="+mn-cs"/>
+              </a:rPr>
+              <a:t>引言（编写目的、项目介绍、常用术语、参考文档）</a:t>
+            </a:r>
+          </a:p>
+          <a:p>
+            <a:pPr marL="469900" lvl="1" indent="-469900" algn="just" eaLnBrk="1" hangingPunct="1">
+              <a:buFont typeface="Wingdings" pitchFamily="2" charset="2"/>
+              <a:buChar char="Ø"/>
+            </a:pPr>
+            <a:r>
+              <a:rPr lang="zh-CN" altLang="en-US" sz="2800" dirty="0">
+                <a:cs typeface="+mn-cs"/>
+              </a:rPr>
+              <a:t>测试概要（测试用例设计、测试环境与配置、工具）</a:t>
+            </a:r>
+          </a:p>
+          <a:p>
+            <a:pPr marL="469900" lvl="1" indent="-469900" algn="just" eaLnBrk="1" hangingPunct="1">
+              <a:buFont typeface="Wingdings" pitchFamily="2" charset="2"/>
+              <a:buChar char="Ø"/>
+            </a:pPr>
+            <a:r>
+              <a:rPr lang="zh-CN" altLang="en-US" sz="2800" dirty="0">
+                <a:cs typeface="+mn-cs"/>
+              </a:rPr>
+              <a:t>测试结果与缺陷分析（测试执行情况与记录；覆盖结果分析；缺陷统计与分析 ）</a:t>
+            </a:r>
+          </a:p>
+          <a:p>
+            <a:pPr marL="469900" lvl="1" indent="-469900" algn="just" eaLnBrk="1" hangingPunct="1">
+              <a:buFont typeface="Wingdings" pitchFamily="2" charset="2"/>
+              <a:buChar char="Ø"/>
+            </a:pPr>
+            <a:r>
+              <a:rPr lang="zh-CN" altLang="en-US" sz="2800" dirty="0">
+                <a:cs typeface="+mn-cs"/>
+              </a:rPr>
+              <a:t>测试结论与建议（测试结论、测试建议）</a:t>
+            </a:r>
+          </a:p>
+          <a:p>
+            <a:pPr marL="0" indent="0" eaLnBrk="1" hangingPunct="1">
+              <a:buNone/>
+            </a:pPr>
+            <a:endParaRPr lang="zh-CN" altLang="en-US" dirty="0" smtClean="0">
+              <a:ea typeface="宋体" pitchFamily="2" charset="-122"/>
+            </a:endParaRPr>
+          </a:p>
+        </p:txBody>
+      </p:sp>
+    </p:spTree>
+    <p:extLst>
+      <p:ext uri="{BB962C8B-B14F-4D97-AF65-F5344CB8AC3E}">
+        <p14:creationId xmlns:p14="http://schemas.microsoft.com/office/powerpoint/2010/main" val="4162528613"/>
+      </p:ext>
+    </p:extLst>
+  </p:cSld>
+  <p:clrMapOvr>
+    <a:masterClrMapping/>
+  </p:clrMapOvr>
+  <p:transition>
+    <p:randomBar dir="vert"/>
+  </p:transition>
+  <p:timing>
+    <p:tnLst>
+      <p:par>
+        <p:cTn id="1" dur="indefinite" restart="never" nodeType="tmRoot"/>
+      </p:par>
+    </p:tnLst>
+  </p:timing>
+</p:sld>
+</file>
+
+<file path=ppt/slides/slide22.xml><?xml version="1.0" encoding="utf-8"?>
+<p:sld xmlns:a="http://schemas.openxmlformats.org/drawingml/2006/main" xmlns:r="http://schemas.openxmlformats.org/officeDocument/2006/relationships" xmlns:p="http://schemas.openxmlformats.org/presentationml/2006/main">
+  <p:cSld>
+    <p:spTree>
+      <p:nvGrpSpPr>
+        <p:cNvPr id="1" name=""/>
+        <p:cNvGrpSpPr/>
+        <p:nvPr/>
+      </p:nvGrpSpPr>
+      <p:grpSpPr>
+        <a:xfrm>
+          <a:off x="0" y="0"/>
+          <a:ext cx="0" cy="0"/>
+          <a:chOff x="0" y="0"/>
+          <a:chExt cx="0" cy="0"/>
+        </a:xfrm>
+      </p:grpSpPr>
+      <p:sp>
+        <p:nvSpPr>
+          <p:cNvPr id="31746" name="标题 16"/>
+          <p:cNvSpPr>
+            <a:spLocks noGrp="1"/>
+          </p:cNvSpPr>
+          <p:nvPr>
+            <p:ph type="title"/>
+          </p:nvPr>
+        </p:nvSpPr>
+        <p:spPr/>
+        <p:txBody>
+          <a:bodyPr/>
+          <a:lstStyle/>
+          <a:p>
+            <a:pPr eaLnBrk="1" hangingPunct="1"/>
+            <a:r>
+              <a:rPr lang="zh-CN" altLang="en-US" dirty="0"/>
+              <a:t>测试总结报告定义</a:t>
+            </a:r>
+            <a:endParaRPr lang="zh-CN" altLang="en-US" b="1" dirty="0">
+              <a:latin typeface="黑体" pitchFamily="49" charset="-122"/>
+              <a:ea typeface="黑体" pitchFamily="49" charset="-122"/>
+            </a:endParaRPr>
+          </a:p>
+        </p:txBody>
+      </p:sp>
+      <p:sp>
+        <p:nvSpPr>
+          <p:cNvPr id="31747" name="内容占位符 2"/>
+          <p:cNvSpPr>
+            <a:spLocks noGrp="1"/>
+          </p:cNvSpPr>
+          <p:nvPr>
+            <p:ph idx="1"/>
+          </p:nvPr>
+        </p:nvSpPr>
+        <p:spPr/>
+        <p:txBody>
+          <a:bodyPr/>
+          <a:lstStyle/>
+          <a:p>
+            <a:pPr lvl="1"/>
+            <a:endParaRPr lang="en-US" altLang="zh-CN" dirty="0" smtClean="0"/>
+          </a:p>
+          <a:p>
+            <a:pPr lvl="1"/>
+            <a:endParaRPr lang="en-US" altLang="zh-CN" dirty="0" smtClean="0"/>
+          </a:p>
+        </p:txBody>
+      </p:sp>
+      <p:pic>
+        <p:nvPicPr>
+          <p:cNvPr id="1026" name="Picture 2"/>
+          <p:cNvPicPr>
+            <a:picLocks noChangeAspect="1" noChangeArrowheads="1"/>
+          </p:cNvPicPr>
+          <p:nvPr/>
+        </p:nvPicPr>
+        <p:blipFill>
+          <a:blip r:embed="rId3"/>
+          <a:srcRect/>
+          <a:stretch>
+            <a:fillRect/>
+          </a:stretch>
+        </p:blipFill>
+        <p:spPr bwMode="auto">
+          <a:xfrm>
+            <a:off x="847871" y="1484784"/>
+            <a:ext cx="1943100" cy="3657600"/>
+          </a:xfrm>
+          <a:prstGeom prst="rect">
+            <a:avLst/>
+          </a:prstGeom>
+          <a:noFill/>
+          <a:ln w="9525">
+            <a:noFill/>
+            <a:miter lim="800000"/>
+            <a:headEnd/>
+            <a:tailEnd/>
+          </a:ln>
+          <a:effectLst/>
+        </p:spPr>
+      </p:pic>
+      <p:pic>
+        <p:nvPicPr>
+          <p:cNvPr id="1027" name="Picture 3"/>
+          <p:cNvPicPr>
+            <a:picLocks noChangeAspect="1" noChangeArrowheads="1"/>
+          </p:cNvPicPr>
+          <p:nvPr/>
+        </p:nvPicPr>
+        <p:blipFill>
+          <a:blip r:embed="rId4"/>
+          <a:srcRect t="7473"/>
+          <a:stretch>
+            <a:fillRect/>
+          </a:stretch>
+        </p:blipFill>
+        <p:spPr bwMode="auto">
+          <a:xfrm>
+            <a:off x="3311691" y="4005065"/>
+            <a:ext cx="4110383" cy="2627219"/>
+          </a:xfrm>
+          <a:prstGeom prst="rect">
+            <a:avLst/>
+          </a:prstGeom>
+          <a:noFill/>
+          <a:ln w="9525">
+            <a:noFill/>
+            <a:miter lim="800000"/>
+            <a:headEnd/>
+            <a:tailEnd/>
+          </a:ln>
+          <a:effectLst/>
+        </p:spPr>
+      </p:pic>
+      <p:pic>
+        <p:nvPicPr>
+          <p:cNvPr id="1028" name="Picture 4"/>
+          <p:cNvPicPr>
+            <a:picLocks noChangeAspect="1" noChangeArrowheads="1"/>
+          </p:cNvPicPr>
+          <p:nvPr/>
+        </p:nvPicPr>
+        <p:blipFill>
+          <a:blip r:embed="rId5"/>
+          <a:srcRect l="9115" t="15447"/>
+          <a:stretch>
+            <a:fillRect/>
+          </a:stretch>
+        </p:blipFill>
+        <p:spPr bwMode="auto">
+          <a:xfrm>
+            <a:off x="7502181" y="1788027"/>
+            <a:ext cx="3866860" cy="1934952"/>
+          </a:xfrm>
+          <a:prstGeom prst="rect">
+            <a:avLst/>
+          </a:prstGeom>
+          <a:noFill/>
+          <a:ln w="9525">
+            <a:noFill/>
+            <a:miter lim="800000"/>
+            <a:headEnd/>
+            <a:tailEnd/>
+          </a:ln>
+          <a:effectLst/>
+        </p:spPr>
+      </p:pic>
+      <p:pic>
+        <p:nvPicPr>
+          <p:cNvPr id="1029" name="Picture 5"/>
+          <p:cNvPicPr>
+            <a:picLocks noChangeAspect="1" noChangeArrowheads="1"/>
+          </p:cNvPicPr>
+          <p:nvPr/>
+        </p:nvPicPr>
+        <p:blipFill>
+          <a:blip r:embed="rId6"/>
+          <a:srcRect/>
+          <a:stretch>
+            <a:fillRect/>
+          </a:stretch>
+        </p:blipFill>
+        <p:spPr bwMode="auto">
+          <a:xfrm>
+            <a:off x="3311691" y="1604643"/>
+            <a:ext cx="3601331" cy="2301720"/>
+          </a:xfrm>
+          <a:prstGeom prst="rect">
+            <a:avLst/>
+          </a:prstGeom>
+          <a:noFill/>
+          <a:ln w="9525">
+            <a:noFill/>
+            <a:miter lim="800000"/>
+            <a:headEnd/>
+            <a:tailEnd/>
+          </a:ln>
+          <a:effectLst/>
+        </p:spPr>
+      </p:pic>
+    </p:spTree>
+    <p:extLst>
+      <p:ext uri="{BB962C8B-B14F-4D97-AF65-F5344CB8AC3E}">
+        <p14:creationId xmlns:p14="http://schemas.microsoft.com/office/powerpoint/2010/main" val="141054378"/>
+      </p:ext>
+    </p:extLst>
+  </p:cSld>
+  <p:clrMapOvr>
+    <a:masterClrMapping/>
+  </p:clrMapOvr>
+  <p:transition>
+    <p:randomBar dir="vert"/>
+  </p:transition>
+  <p:timing>
+    <p:tnLst>
+      <p:par>
+        <p:cTn id="1" dur="indefinite" restart="never" nodeType="tmRoot"/>
+      </p:par>
+    </p:tnLst>
+  </p:timing>
+</p:sld>
+</file>
+
+<file path=ppt/slides/slide23.xml><?xml version="1.0" encoding="utf-8"?>
+<p:sld xmlns:a="http://schemas.openxmlformats.org/drawingml/2006/main" xmlns:r="http://schemas.openxmlformats.org/officeDocument/2006/relationships" xmlns:p="http://schemas.openxmlformats.org/presentationml/2006/main">
+  <p:cSld>
+    <p:spTree>
+      <p:nvGrpSpPr>
+        <p:cNvPr id="1" name=""/>
+        <p:cNvGrpSpPr/>
+        <p:nvPr/>
+      </p:nvGrpSpPr>
+      <p:grpSpPr>
+        <a:xfrm>
+          <a:off x="0" y="0"/>
+          <a:ext cx="0" cy="0"/>
+          <a:chOff x="0" y="0"/>
+          <a:chExt cx="0" cy="0"/>
+        </a:xfrm>
+      </p:grpSpPr>
+      <p:sp>
+        <p:nvSpPr>
           <p:cNvPr id="2" name="标题 1"/>
           <p:cNvSpPr>
             <a:spLocks noGrp="1"/>
@@ -12808,7 +13790,219 @@
 </p:sld>
 </file>
 
-<file path=ppt/slides/slide21.xml><?xml version="1.0" encoding="utf-8"?>
+<file path=ppt/slides/slide24.xml><?xml version="1.0" encoding="utf-8"?>
+<p:sld xmlns:a="http://schemas.openxmlformats.org/drawingml/2006/main" xmlns:r="http://schemas.openxmlformats.org/officeDocument/2006/relationships" xmlns:p="http://schemas.openxmlformats.org/presentationml/2006/main">
+  <p:cSld>
+    <p:spTree>
+      <p:nvGrpSpPr>
+        <p:cNvPr id="1" name=""/>
+        <p:cNvGrpSpPr/>
+        <p:nvPr/>
+      </p:nvGrpSpPr>
+      <p:grpSpPr>
+        <a:xfrm>
+          <a:off x="0" y="0"/>
+          <a:ext cx="0" cy="0"/>
+          <a:chOff x="0" y="0"/>
+          <a:chExt cx="0" cy="0"/>
+        </a:xfrm>
+      </p:grpSpPr>
+      <p:sp>
+        <p:nvSpPr>
+          <p:cNvPr id="28675" name="Rectangle 2"/>
+          <p:cNvSpPr>
+            <a:spLocks noGrp="1" noChangeArrowheads="1"/>
+          </p:cNvSpPr>
+          <p:nvPr>
+            <p:ph type="title"/>
+          </p:nvPr>
+        </p:nvSpPr>
+        <p:spPr/>
+        <p:txBody>
+          <a:bodyPr/>
+          <a:lstStyle/>
+          <a:p>
+            <a:r>
+              <a:rPr lang="zh-CN" altLang="en-US" sz="3600" dirty="0">
+                <a:ea typeface="楷体" panose="02010609060101010101" pitchFamily="49" charset="-122"/>
+              </a:rPr>
+              <a:t>测试基础概念</a:t>
+            </a:r>
+            <a:endParaRPr lang="zh-CN" altLang="en-US" sz="3600" dirty="0">
+              <a:ea typeface="楷体" panose="02010609060101010101" pitchFamily="49" charset="-122"/>
+            </a:endParaRPr>
+          </a:p>
+        </p:txBody>
+      </p:sp>
+      <p:sp>
+        <p:nvSpPr>
+          <p:cNvPr id="28676" name="Rectangle 3"/>
+          <p:cNvSpPr>
+            <a:spLocks noGrp="1" noChangeArrowheads="1"/>
+          </p:cNvSpPr>
+          <p:nvPr>
+            <p:ph sz="half" idx="1"/>
+          </p:nvPr>
+        </p:nvSpPr>
+        <p:spPr>
+          <a:xfrm>
+            <a:off x="815413" y="1220755"/>
+            <a:ext cx="11113235" cy="4268047"/>
+          </a:xfrm>
+        </p:spPr>
+        <p:txBody>
+          <a:bodyPr/>
+          <a:lstStyle/>
+          <a:p>
+            <a:pPr eaLnBrk="1" hangingPunct="1">
+              <a:lnSpc>
+                <a:spcPts val="4667"/>
+              </a:lnSpc>
+              <a:spcBef>
+                <a:spcPts val="0"/>
+              </a:spcBef>
+            </a:pPr>
+            <a:r>
+              <a:rPr lang="zh-CN" altLang="en-US" sz="2800" dirty="0">
+                <a:latin typeface="楷体" panose="02010609060101010101" pitchFamily="49" charset="-122"/>
+                <a:ea typeface="楷体" panose="02010609060101010101" pitchFamily="49" charset="-122"/>
+              </a:rPr>
+              <a:t>软件测试分类</a:t>
+            </a:r>
+            <a:endParaRPr lang="en-US" altLang="zh-CN" sz="2800" dirty="0">
+              <a:latin typeface="楷体" panose="02010609060101010101" pitchFamily="49" charset="-122"/>
+              <a:ea typeface="楷体" panose="02010609060101010101" pitchFamily="49" charset="-122"/>
+            </a:endParaRPr>
+          </a:p>
+          <a:p>
+            <a:pPr lvl="1" eaLnBrk="1" hangingPunct="1">
+              <a:lnSpc>
+                <a:spcPts val="4667"/>
+              </a:lnSpc>
+              <a:spcBef>
+                <a:spcPts val="0"/>
+              </a:spcBef>
+            </a:pPr>
+            <a:r>
+              <a:rPr lang="zh-CN" altLang="en-US" sz="2800" dirty="0">
+                <a:latin typeface="楷体" panose="02010609060101010101" pitchFamily="49" charset="-122"/>
+                <a:ea typeface="楷体" panose="02010609060101010101" pitchFamily="49" charset="-122"/>
+              </a:rPr>
+              <a:t>从是否运行被测程序：静态测试和动态测试</a:t>
+            </a:r>
+            <a:endParaRPr lang="en-US" altLang="zh-CN" sz="2800" dirty="0">
+              <a:latin typeface="楷体" panose="02010609060101010101" pitchFamily="49" charset="-122"/>
+              <a:ea typeface="楷体" panose="02010609060101010101" pitchFamily="49" charset="-122"/>
+            </a:endParaRPr>
+          </a:p>
+          <a:p>
+            <a:pPr lvl="1" eaLnBrk="1" hangingPunct="1">
+              <a:lnSpc>
+                <a:spcPts val="4667"/>
+              </a:lnSpc>
+              <a:spcBef>
+                <a:spcPts val="0"/>
+              </a:spcBef>
+            </a:pPr>
+            <a:r>
+              <a:rPr lang="zh-CN" altLang="en-US" sz="2800" dirty="0">
+                <a:latin typeface="楷体" panose="02010609060101010101" pitchFamily="49" charset="-122"/>
+                <a:ea typeface="楷体" panose="02010609060101010101" pitchFamily="49" charset="-122"/>
+              </a:rPr>
+              <a:t>从是否关心内部结构：黑盒测试，白盒测试，灰盒测试</a:t>
+            </a:r>
+            <a:endParaRPr lang="en-US" altLang="zh-CN" sz="2800" dirty="0">
+              <a:latin typeface="楷体" panose="02010609060101010101" pitchFamily="49" charset="-122"/>
+              <a:ea typeface="楷体" panose="02010609060101010101" pitchFamily="49" charset="-122"/>
+            </a:endParaRPr>
+          </a:p>
+          <a:p>
+            <a:pPr lvl="1" eaLnBrk="1" hangingPunct="1">
+              <a:lnSpc>
+                <a:spcPts val="4667"/>
+              </a:lnSpc>
+              <a:spcBef>
+                <a:spcPts val="0"/>
+              </a:spcBef>
+            </a:pPr>
+            <a:r>
+              <a:rPr lang="zh-CN" altLang="en-US" sz="2800" dirty="0">
+                <a:latin typeface="楷体" panose="02010609060101010101" pitchFamily="49" charset="-122"/>
+                <a:ea typeface="楷体" panose="02010609060101010101" pitchFamily="49" charset="-122"/>
+              </a:rPr>
+              <a:t>从软件开发的过程的角度：单元测试，集成测试，系统测试，验收测试</a:t>
+            </a:r>
+            <a:endParaRPr lang="en-US" altLang="zh-CN" sz="2800" dirty="0">
+              <a:latin typeface="楷体" panose="02010609060101010101" pitchFamily="49" charset="-122"/>
+              <a:ea typeface="楷体" panose="02010609060101010101" pitchFamily="49" charset="-122"/>
+            </a:endParaRPr>
+          </a:p>
+          <a:p>
+            <a:pPr lvl="1" eaLnBrk="1" hangingPunct="1">
+              <a:lnSpc>
+                <a:spcPts val="4667"/>
+              </a:lnSpc>
+              <a:spcBef>
+                <a:spcPts val="0"/>
+              </a:spcBef>
+            </a:pPr>
+            <a:r>
+              <a:rPr lang="zh-CN" altLang="en-US" sz="2800" dirty="0">
+                <a:latin typeface="楷体" panose="02010609060101010101" pitchFamily="49" charset="-122"/>
+                <a:ea typeface="楷体" panose="02010609060101010101" pitchFamily="49" charset="-122"/>
+              </a:rPr>
+              <a:t>从执行时是否需要人工干预：人工测试和自动化测试</a:t>
+            </a:r>
+            <a:endParaRPr lang="en-US" altLang="zh-CN" sz="2800" dirty="0">
+              <a:latin typeface="楷体" panose="02010609060101010101" pitchFamily="49" charset="-122"/>
+              <a:ea typeface="楷体" panose="02010609060101010101" pitchFamily="49" charset="-122"/>
+            </a:endParaRPr>
+          </a:p>
+          <a:p>
+            <a:pPr lvl="1" eaLnBrk="1" hangingPunct="1">
+              <a:lnSpc>
+                <a:spcPts val="4667"/>
+              </a:lnSpc>
+              <a:spcBef>
+                <a:spcPts val="0"/>
+              </a:spcBef>
+            </a:pPr>
+            <a:r>
+              <a:rPr lang="zh-CN" altLang="en-US" sz="2800" dirty="0">
+                <a:latin typeface="楷体" panose="02010609060101010101" pitchFamily="49" charset="-122"/>
+                <a:ea typeface="楷体" panose="02010609060101010101" pitchFamily="49" charset="-122"/>
+              </a:rPr>
+              <a:t>从测试实施组织的角度划分：开发方测试，用户测试，第三方测试</a:t>
+            </a:r>
+            <a:endParaRPr lang="en-US" altLang="zh-CN" sz="2800" dirty="0">
+              <a:latin typeface="楷体" panose="02010609060101010101" pitchFamily="49" charset="-122"/>
+              <a:ea typeface="楷体" panose="02010609060101010101" pitchFamily="49" charset="-122"/>
+            </a:endParaRPr>
+          </a:p>
+        </p:txBody>
+      </p:sp>
+    </p:spTree>
+    <p:extLst>
+      <p:ext uri="{BB962C8B-B14F-4D97-AF65-F5344CB8AC3E}">
+        <p14:creationId xmlns:p14="http://schemas.microsoft.com/office/powerpoint/2010/main" val="3436095365"/>
+      </p:ext>
+    </p:extLst>
+  </p:cSld>
+  <p:clrMapOvr>
+    <a:masterClrMapping/>
+  </p:clrMapOvr>
+  <p:transition/>
+  <p:timing>
+    <p:tnLst>
+      <p:par>
+        <p:cTn id="1" dur="indefinite" restart="never" nodeType="tmRoot"/>
+      </p:par>
+    </p:tnLst>
+  </p:timing>
+</p:sld>
+</file>
+
+<file path=ppt/slides/slide25.xml><?xml version="1.0" encoding="utf-8"?>
 <p:sld xmlns:a="http://schemas.openxmlformats.org/drawingml/2006/main" xmlns:r="http://schemas.openxmlformats.org/officeDocument/2006/relationships" xmlns:p="http://schemas.openxmlformats.org/presentationml/2006/main">
   <p:cSld>
     <p:spTree>
@@ -13211,7 +14405,7 @@
 </p:sld>
 </file>
 
-<file path=ppt/slides/slide22.xml><?xml version="1.0" encoding="utf-8"?>
+<file path=ppt/slides/slide26.xml><?xml version="1.0" encoding="utf-8"?>
 <p:sld xmlns:a="http://schemas.openxmlformats.org/drawingml/2006/main" xmlns:r="http://schemas.openxmlformats.org/officeDocument/2006/relationships" xmlns:p="http://schemas.openxmlformats.org/presentationml/2006/main">
   <p:cSld>
     <p:spTree>
@@ -13752,7 +14946,7 @@
 </p:sld>
 </file>
 
-<file path=ppt/slides/slide23.xml><?xml version="1.0" encoding="utf-8"?>
+<file path=ppt/slides/slide27.xml><?xml version="1.0" encoding="utf-8"?>
 <p:sld xmlns:a="http://schemas.openxmlformats.org/drawingml/2006/main" xmlns:r="http://schemas.openxmlformats.org/officeDocument/2006/relationships" xmlns:p="http://schemas.openxmlformats.org/presentationml/2006/main">
   <p:cSld>
     <p:spTree>
@@ -14405,7 +15599,7 @@
 </p:sld>
 </file>
 
-<file path=ppt/slides/slide24.xml><?xml version="1.0" encoding="utf-8"?>
+<file path=ppt/slides/slide28.xml><?xml version="1.0" encoding="utf-8"?>
 <p:sld xmlns:a="http://schemas.openxmlformats.org/drawingml/2006/main" xmlns:r="http://schemas.openxmlformats.org/officeDocument/2006/relationships" xmlns:p="http://schemas.openxmlformats.org/presentationml/2006/main" show="0">
   <p:cSld>
     <p:spTree>
@@ -15692,7 +16886,7 @@
 </p:sld>
 </file>
 
-<file path=ppt/slides/slide25.xml><?xml version="1.0" encoding="utf-8"?>
+<file path=ppt/slides/slide29.xml><?xml version="1.0" encoding="utf-8"?>
 <p:sld xmlns:a="http://schemas.openxmlformats.org/drawingml/2006/main" xmlns:r="http://schemas.openxmlformats.org/officeDocument/2006/relationships" xmlns:p="http://schemas.openxmlformats.org/presentationml/2006/main">
   <p:cSld>
     <p:spTree>
@@ -15810,7 +17004,198 @@
 </p:sld>
 </file>
 
-<file path=ppt/slides/slide26.xml><?xml version="1.0" encoding="utf-8"?>
+<file path=ppt/slides/slide3.xml><?xml version="1.0" encoding="utf-8"?>
+<p:sld xmlns:a="http://schemas.openxmlformats.org/drawingml/2006/main" xmlns:r="http://schemas.openxmlformats.org/officeDocument/2006/relationships" xmlns:p="http://schemas.openxmlformats.org/presentationml/2006/main">
+  <p:cSld>
+    <p:spTree>
+      <p:nvGrpSpPr>
+        <p:cNvPr id="1" name=""/>
+        <p:cNvGrpSpPr/>
+        <p:nvPr/>
+      </p:nvGrpSpPr>
+      <p:grpSpPr>
+        <a:xfrm>
+          <a:off x="0" y="0"/>
+          <a:ext cx="0" cy="0"/>
+          <a:chOff x="0" y="0"/>
+          <a:chExt cx="0" cy="0"/>
+        </a:xfrm>
+      </p:grpSpPr>
+      <p:sp>
+        <p:nvSpPr>
+          <p:cNvPr id="2" name="标题 1"/>
+          <p:cNvSpPr>
+            <a:spLocks noGrp="1"/>
+          </p:cNvSpPr>
+          <p:nvPr>
+            <p:ph type="title"/>
+          </p:nvPr>
+        </p:nvSpPr>
+        <p:spPr/>
+        <p:txBody>
+          <a:bodyPr/>
+          <a:lstStyle/>
+          <a:p>
+            <a:r>
+              <a:rPr lang="zh-CN" altLang="en-US" dirty="0" smtClean="0"/>
+              <a:t>内容回顾</a:t>
+            </a:r>
+            <a:endParaRPr lang="zh-CN" altLang="en-US" dirty="0"/>
+          </a:p>
+        </p:txBody>
+      </p:sp>
+      <p:sp>
+        <p:nvSpPr>
+          <p:cNvPr id="3" name="内容占位符 2"/>
+          <p:cNvSpPr>
+            <a:spLocks noGrp="1"/>
+          </p:cNvSpPr>
+          <p:nvPr>
+            <p:ph idx="1"/>
+          </p:nvPr>
+        </p:nvSpPr>
+        <p:spPr/>
+        <p:txBody>
+          <a:bodyPr/>
+          <a:lstStyle/>
+          <a:p>
+            <a:r>
+              <a:rPr lang="zh-CN" altLang="en-US" dirty="0" smtClean="0"/>
+              <a:t>软件测试模型</a:t>
+            </a:r>
+            <a:endParaRPr lang="en-US" altLang="zh-CN" dirty="0" smtClean="0"/>
+          </a:p>
+          <a:p>
+            <a:pPr lvl="1"/>
+            <a:r>
+              <a:rPr lang="en-US" altLang="zh-CN" dirty="0" smtClean="0"/>
+              <a:t>V</a:t>
+            </a:r>
+            <a:r>
+              <a:rPr lang="zh-CN" altLang="en-US" dirty="0" smtClean="0"/>
+              <a:t>模型</a:t>
+            </a:r>
+            <a:endParaRPr lang="en-US" altLang="zh-CN" dirty="0" smtClean="0"/>
+          </a:p>
+          <a:p>
+            <a:pPr lvl="1"/>
+            <a:r>
+              <a:rPr lang="en-US" altLang="zh-CN" dirty="0" smtClean="0"/>
+              <a:t>W</a:t>
+            </a:r>
+            <a:r>
+              <a:rPr lang="zh-CN" altLang="en-US" dirty="0" smtClean="0"/>
+              <a:t>模型</a:t>
+            </a:r>
+            <a:endParaRPr lang="en-US" altLang="zh-CN" dirty="0" smtClean="0"/>
+          </a:p>
+          <a:p>
+            <a:pPr lvl="1"/>
+            <a:r>
+              <a:rPr lang="en-US" altLang="zh-CN" dirty="0" smtClean="0"/>
+              <a:t>X</a:t>
+            </a:r>
+            <a:r>
+              <a:rPr lang="zh-CN" altLang="en-US" dirty="0" smtClean="0"/>
+              <a:t>模型</a:t>
+            </a:r>
+            <a:endParaRPr lang="en-US" altLang="zh-CN" dirty="0" smtClean="0"/>
+          </a:p>
+          <a:p>
+            <a:pPr lvl="1"/>
+            <a:r>
+              <a:rPr lang="en-US" altLang="zh-CN" dirty="0" smtClean="0"/>
+              <a:t>H</a:t>
+            </a:r>
+            <a:r>
+              <a:rPr lang="zh-CN" altLang="en-US" dirty="0" smtClean="0"/>
+              <a:t>模型</a:t>
+            </a:r>
+            <a:endParaRPr lang="zh-CN" altLang="en-US" dirty="0"/>
+          </a:p>
+        </p:txBody>
+      </p:sp>
+      <p:pic>
+        <p:nvPicPr>
+          <p:cNvPr id="4" name="Picture 6" descr="10t1"/>
+          <p:cNvPicPr>
+            <a:picLocks noChangeAspect="1" noChangeArrowheads="1"/>
+          </p:cNvPicPr>
+          <p:nvPr/>
+        </p:nvPicPr>
+        <p:blipFill>
+          <a:blip r:embed="rId2" cstate="print">
+            <a:clrChange>
+              <a:clrFrom>
+                <a:srgbClr val="FFFFFF"/>
+              </a:clrFrom>
+              <a:clrTo>
+                <a:srgbClr val="FFFFFF">
+                  <a:alpha val="0"/>
+                </a:srgbClr>
+              </a:clrTo>
+            </a:clrChange>
+            <a:extLst>
+              <a:ext uri="{28A0092B-C50C-407E-A947-70E740481C1C}">
+                <a14:useLocalDpi xmlns:a14="http://schemas.microsoft.com/office/drawing/2010/main" val="0"/>
+              </a:ext>
+            </a:extLst>
+          </a:blip>
+          <a:srcRect/>
+          <a:stretch>
+            <a:fillRect/>
+          </a:stretch>
+        </p:blipFill>
+        <p:spPr bwMode="auto">
+          <a:xfrm>
+            <a:off x="3791744" y="1412776"/>
+            <a:ext cx="7769225" cy="4143375"/>
+          </a:xfrm>
+          <a:prstGeom prst="rect">
+            <a:avLst/>
+          </a:prstGeom>
+          <a:noFill/>
+          <a:ln>
+            <a:noFill/>
+          </a:ln>
+          <a:extLst>
+            <a:ext uri="{909E8E84-426E-40DD-AFC4-6F175D3DCCD1}">
+              <a14:hiddenFill xmlns:a14="http://schemas.microsoft.com/office/drawing/2010/main">
+                <a:solidFill>
+                  <a:srgbClr val="FFFFFF"/>
+                </a:solidFill>
+              </a14:hiddenFill>
+            </a:ext>
+            <a:ext uri="{91240B29-F687-4F45-9708-019B960494DF}">
+              <a14:hiddenLine xmlns:a14="http://schemas.microsoft.com/office/drawing/2010/main" w="9525">
+                <a:solidFill>
+                  <a:srgbClr val="000000"/>
+                </a:solidFill>
+                <a:miter lim="800000"/>
+                <a:headEnd/>
+                <a:tailEnd/>
+              </a14:hiddenLine>
+            </a:ext>
+          </a:extLst>
+        </p:spPr>
+      </p:pic>
+    </p:spTree>
+    <p:extLst>
+      <p:ext uri="{BB962C8B-B14F-4D97-AF65-F5344CB8AC3E}">
+        <p14:creationId xmlns:p14="http://schemas.microsoft.com/office/powerpoint/2010/main" val="3624035060"/>
+      </p:ext>
+    </p:extLst>
+  </p:cSld>
+  <p:clrMapOvr>
+    <a:masterClrMapping/>
+  </p:clrMapOvr>
+  <p:transition>
+    <p:blinds dir="vert"/>
+  </p:transition>
+</p:sld>
+</file>
+
+<file path=ppt/slides/slide30.xml><?xml version="1.0" encoding="utf-8"?>
 <p:sld xmlns:a="http://schemas.openxmlformats.org/drawingml/2006/main" xmlns:r="http://schemas.openxmlformats.org/officeDocument/2006/relationships" xmlns:p="http://schemas.openxmlformats.org/presentationml/2006/main">
   <p:cSld>
     <p:spTree>
@@ -16846,7 +18231,7 @@
 </p:sld>
 </file>
 
-<file path=ppt/slides/slide27.xml><?xml version="1.0" encoding="utf-8"?>
+<file path=ppt/slides/slide31.xml><?xml version="1.0" encoding="utf-8"?>
 <p:sld xmlns:a="http://schemas.openxmlformats.org/drawingml/2006/main" xmlns:r="http://schemas.openxmlformats.org/officeDocument/2006/relationships" xmlns:p="http://schemas.openxmlformats.org/presentationml/2006/main">
   <p:cSld>
     <p:spTree>
@@ -17514,7 +18899,7 @@
 </p:sld>
 </file>
 
-<file path=ppt/slides/slide28.xml><?xml version="1.0" encoding="utf-8"?>
+<file path=ppt/slides/slide32.xml><?xml version="1.0" encoding="utf-8"?>
 <p:sld xmlns:a="http://schemas.openxmlformats.org/drawingml/2006/main" xmlns:r="http://schemas.openxmlformats.org/officeDocument/2006/relationships" xmlns:p="http://schemas.openxmlformats.org/presentationml/2006/main">
   <p:cSld>
     <p:spTree>
@@ -18157,7 +19542,7 @@
 </p:sld>
 </file>
 
-<file path=ppt/slides/slide29.xml><?xml version="1.0" encoding="utf-8"?>
+<file path=ppt/slides/slide33.xml><?xml version="1.0" encoding="utf-8"?>
 <p:sld xmlns:a="http://schemas.openxmlformats.org/drawingml/2006/main" xmlns:r="http://schemas.openxmlformats.org/officeDocument/2006/relationships" xmlns:p="http://schemas.openxmlformats.org/presentationml/2006/main">
   <p:cSld>
     <p:spTree>
@@ -18228,197 +19613,6 @@
       </p:par>
     </p:tnLst>
   </p:timing>
-</p:sld>
-</file>
-
-<file path=ppt/slides/slide3.xml><?xml version="1.0" encoding="utf-8"?>
-<p:sld xmlns:a="http://schemas.openxmlformats.org/drawingml/2006/main" xmlns:r="http://schemas.openxmlformats.org/officeDocument/2006/relationships" xmlns:p="http://schemas.openxmlformats.org/presentationml/2006/main">
-  <p:cSld>
-    <p:spTree>
-      <p:nvGrpSpPr>
-        <p:cNvPr id="1" name=""/>
-        <p:cNvGrpSpPr/>
-        <p:nvPr/>
-      </p:nvGrpSpPr>
-      <p:grpSpPr>
-        <a:xfrm>
-          <a:off x="0" y="0"/>
-          <a:ext cx="0" cy="0"/>
-          <a:chOff x="0" y="0"/>
-          <a:chExt cx="0" cy="0"/>
-        </a:xfrm>
-      </p:grpSpPr>
-      <p:sp>
-        <p:nvSpPr>
-          <p:cNvPr id="2" name="标题 1"/>
-          <p:cNvSpPr>
-            <a:spLocks noGrp="1"/>
-          </p:cNvSpPr>
-          <p:nvPr>
-            <p:ph type="title"/>
-          </p:nvPr>
-        </p:nvSpPr>
-        <p:spPr/>
-        <p:txBody>
-          <a:bodyPr/>
-          <a:lstStyle/>
-          <a:p>
-            <a:r>
-              <a:rPr lang="zh-CN" altLang="en-US" dirty="0" smtClean="0"/>
-              <a:t>内容回顾</a:t>
-            </a:r>
-            <a:endParaRPr lang="zh-CN" altLang="en-US" dirty="0"/>
-          </a:p>
-        </p:txBody>
-      </p:sp>
-      <p:sp>
-        <p:nvSpPr>
-          <p:cNvPr id="3" name="内容占位符 2"/>
-          <p:cNvSpPr>
-            <a:spLocks noGrp="1"/>
-          </p:cNvSpPr>
-          <p:nvPr>
-            <p:ph idx="1"/>
-          </p:nvPr>
-        </p:nvSpPr>
-        <p:spPr/>
-        <p:txBody>
-          <a:bodyPr/>
-          <a:lstStyle/>
-          <a:p>
-            <a:r>
-              <a:rPr lang="zh-CN" altLang="en-US" dirty="0" smtClean="0"/>
-              <a:t>软件测试模型</a:t>
-            </a:r>
-            <a:endParaRPr lang="en-US" altLang="zh-CN" dirty="0" smtClean="0"/>
-          </a:p>
-          <a:p>
-            <a:pPr lvl="1"/>
-            <a:r>
-              <a:rPr lang="en-US" altLang="zh-CN" dirty="0" smtClean="0"/>
-              <a:t>V</a:t>
-            </a:r>
-            <a:r>
-              <a:rPr lang="zh-CN" altLang="en-US" dirty="0" smtClean="0"/>
-              <a:t>模型</a:t>
-            </a:r>
-            <a:endParaRPr lang="en-US" altLang="zh-CN" dirty="0" smtClean="0"/>
-          </a:p>
-          <a:p>
-            <a:pPr lvl="1"/>
-            <a:r>
-              <a:rPr lang="en-US" altLang="zh-CN" dirty="0" smtClean="0"/>
-              <a:t>W</a:t>
-            </a:r>
-            <a:r>
-              <a:rPr lang="zh-CN" altLang="en-US" dirty="0" smtClean="0"/>
-              <a:t>模型</a:t>
-            </a:r>
-            <a:endParaRPr lang="en-US" altLang="zh-CN" dirty="0" smtClean="0"/>
-          </a:p>
-          <a:p>
-            <a:pPr lvl="1"/>
-            <a:r>
-              <a:rPr lang="en-US" altLang="zh-CN" dirty="0" smtClean="0"/>
-              <a:t>X</a:t>
-            </a:r>
-            <a:r>
-              <a:rPr lang="zh-CN" altLang="en-US" dirty="0" smtClean="0"/>
-              <a:t>模型</a:t>
-            </a:r>
-            <a:endParaRPr lang="en-US" altLang="zh-CN" dirty="0" smtClean="0"/>
-          </a:p>
-          <a:p>
-            <a:pPr lvl="1"/>
-            <a:r>
-              <a:rPr lang="en-US" altLang="zh-CN" dirty="0" smtClean="0"/>
-              <a:t>H</a:t>
-            </a:r>
-            <a:r>
-              <a:rPr lang="zh-CN" altLang="en-US" dirty="0" smtClean="0"/>
-              <a:t>模型</a:t>
-            </a:r>
-            <a:endParaRPr lang="zh-CN" altLang="en-US" dirty="0"/>
-          </a:p>
-        </p:txBody>
-      </p:sp>
-      <p:pic>
-        <p:nvPicPr>
-          <p:cNvPr id="4" name="Picture 6" descr="10t1"/>
-          <p:cNvPicPr>
-            <a:picLocks noChangeAspect="1" noChangeArrowheads="1"/>
-          </p:cNvPicPr>
-          <p:nvPr/>
-        </p:nvPicPr>
-        <p:blipFill>
-          <a:blip r:embed="rId2" cstate="print">
-            <a:clrChange>
-              <a:clrFrom>
-                <a:srgbClr val="FFFFFF"/>
-              </a:clrFrom>
-              <a:clrTo>
-                <a:srgbClr val="FFFFFF">
-                  <a:alpha val="0"/>
-                </a:srgbClr>
-              </a:clrTo>
-            </a:clrChange>
-            <a:extLst>
-              <a:ext uri="{28A0092B-C50C-407E-A947-70E740481C1C}">
-                <a14:useLocalDpi xmlns:a14="http://schemas.microsoft.com/office/drawing/2010/main" val="0"/>
-              </a:ext>
-            </a:extLst>
-          </a:blip>
-          <a:srcRect/>
-          <a:stretch>
-            <a:fillRect/>
-          </a:stretch>
-        </p:blipFill>
-        <p:spPr bwMode="auto">
-          <a:xfrm>
-            <a:off x="3791744" y="1412776"/>
-            <a:ext cx="7769225" cy="4143375"/>
-          </a:xfrm>
-          <a:prstGeom prst="rect">
-            <a:avLst/>
-          </a:prstGeom>
-          <a:noFill/>
-          <a:ln>
-            <a:noFill/>
-          </a:ln>
-          <a:extLst>
-            <a:ext uri="{909E8E84-426E-40DD-AFC4-6F175D3DCCD1}">
-              <a14:hiddenFill xmlns:a14="http://schemas.microsoft.com/office/drawing/2010/main">
-                <a:solidFill>
-                  <a:srgbClr val="FFFFFF"/>
-                </a:solidFill>
-              </a14:hiddenFill>
-            </a:ext>
-            <a:ext uri="{91240B29-F687-4F45-9708-019B960494DF}">
-              <a14:hiddenLine xmlns:a14="http://schemas.microsoft.com/office/drawing/2010/main" w="9525">
-                <a:solidFill>
-                  <a:srgbClr val="000000"/>
-                </a:solidFill>
-                <a:miter lim="800000"/>
-                <a:headEnd/>
-                <a:tailEnd/>
-              </a14:hiddenLine>
-            </a:ext>
-          </a:extLst>
-        </p:spPr>
-      </p:pic>
-    </p:spTree>
-    <p:extLst>
-      <p:ext uri="{BB962C8B-B14F-4D97-AF65-F5344CB8AC3E}">
-        <p14:creationId xmlns:p14="http://schemas.microsoft.com/office/powerpoint/2010/main" val="3624035060"/>
-      </p:ext>
-    </p:extLst>
-  </p:cSld>
-  <p:clrMapOvr>
-    <a:masterClrMapping/>
-  </p:clrMapOvr>
-  <p:transition>
-    <p:blinds dir="vert"/>
-  </p:transition>
 </p:sld>
 </file>
 
